--- a/1조.R 팀프로젝트.pptx
+++ b/1조.R 팀프로젝트.pptx
@@ -9,10 +9,11 @@
     <p:sldId id="285" r:id="rId3"/>
     <p:sldId id="292" r:id="rId4"/>
     <p:sldId id="300" r:id="rId5"/>
-    <p:sldId id="302" r:id="rId6"/>
+    <p:sldId id="304" r:id="rId6"/>
     <p:sldId id="303" r:id="rId7"/>
-    <p:sldId id="301" r:id="rId8"/>
-    <p:sldId id="290" r:id="rId9"/>
+    <p:sldId id="302" r:id="rId8"/>
+    <p:sldId id="305" r:id="rId9"/>
+    <p:sldId id="290" r:id="rId10"/>
   </p:sldIdLst>
   <p:sldSz cx="12192000" cy="6858000"/>
   <p:notesSz cx="6858000" cy="9144000"/>
@@ -6040,8 +6041,8 @@
         </p:nvSpPr>
         <p:spPr>
           <a:xfrm>
-            <a:off x="644303" y="1425717"/>
-            <a:ext cx="10903393" cy="4801314"/>
+            <a:off x="742950" y="1789996"/>
+            <a:ext cx="10903393" cy="4616648"/>
           </a:xfrm>
           <a:prstGeom prst="rect">
             <a:avLst/>
@@ -6058,7 +6059,7 @@
               <a:buAutoNum type="arabicPeriod"/>
             </a:pPr>
             <a:r>
-              <a:rPr lang="ko-KR" altLang="en-US" dirty="0">
+              <a:rPr lang="ko-KR" altLang="en-US" sz="2400" dirty="0">
                 <a:solidFill>
                   <a:schemeClr val="tx1">
                     <a:lumMod val="85000"/>
@@ -6068,7 +6069,7 @@
               </a:rPr>
               <a:t>가설</a:t>
             </a:r>
-            <a:endParaRPr lang="en-US" altLang="ko-KR" dirty="0">
+            <a:endParaRPr lang="en-US" altLang="ko-KR" sz="2400" dirty="0">
               <a:solidFill>
                 <a:schemeClr val="tx1">
                   <a:lumMod val="85000"/>
@@ -6083,7 +6084,7 @@
               <a:buChar char="-"/>
             </a:pPr>
             <a:r>
-              <a:rPr lang="en-US" altLang="ko-KR" dirty="0">
+              <a:rPr lang="en-US" altLang="ko-KR" sz="2400" dirty="0">
                 <a:solidFill>
                   <a:schemeClr val="tx1">
                     <a:lumMod val="85000"/>
@@ -6094,7 +6095,7 @@
               <a:t>1,2 </a:t>
             </a:r>
             <a:r>
-              <a:rPr lang="ko-KR" altLang="en-US" dirty="0">
+              <a:rPr lang="ko-KR" altLang="en-US" sz="2400" dirty="0">
                 <a:solidFill>
                   <a:schemeClr val="tx1">
                     <a:lumMod val="85000"/>
@@ -6105,7 +6106,7 @@
               <a:t>인 세대 비율이 높은 구에 세탁소 보다는 빨래방이 많을 것이다</a:t>
             </a:r>
             <a:r>
-              <a:rPr lang="en-US" altLang="ko-KR" dirty="0">
+              <a:rPr lang="en-US" altLang="ko-KR" sz="2400" dirty="0">
                 <a:solidFill>
                   <a:schemeClr val="tx1">
                     <a:lumMod val="85000"/>
@@ -6122,7 +6123,7 @@
               <a:buChar char="-"/>
             </a:pPr>
             <a:r>
-              <a:rPr lang="en-US" altLang="ko-KR" dirty="0">
+              <a:rPr lang="en-US" altLang="ko-KR" sz="2400" dirty="0">
                 <a:solidFill>
                   <a:schemeClr val="tx1">
                     <a:lumMod val="85000"/>
@@ -6133,7 +6134,7 @@
               <a:t>1,2 </a:t>
             </a:r>
             <a:r>
-              <a:rPr lang="ko-KR" altLang="en-US" dirty="0">
+              <a:rPr lang="ko-KR" altLang="en-US" sz="2400" dirty="0">
                 <a:solidFill>
                   <a:schemeClr val="tx1">
                     <a:lumMod val="85000"/>
@@ -6144,7 +6145,7 @@
               <a:t>인 세대 비율이 높은 곳에 반려동물을 많이 키울 것이고</a:t>
             </a:r>
             <a:r>
-              <a:rPr lang="en-US" altLang="ko-KR" dirty="0">
+              <a:rPr lang="en-US" altLang="ko-KR" sz="2400" dirty="0">
                 <a:solidFill>
                   <a:schemeClr val="tx1">
                     <a:lumMod val="85000"/>
@@ -6155,7 +6156,7 @@
               <a:t>, </a:t>
             </a:r>
             <a:r>
-              <a:rPr lang="ko-KR" altLang="en-US" dirty="0">
+              <a:rPr lang="ko-KR" altLang="en-US" sz="2400" dirty="0">
                 <a:solidFill>
                   <a:schemeClr val="tx1">
                     <a:lumMod val="85000"/>
@@ -6166,7 +6167,7 @@
               <a:t>동물병원이 많을 것이다</a:t>
             </a:r>
             <a:r>
-              <a:rPr lang="en-US" altLang="ko-KR" dirty="0">
+              <a:rPr lang="en-US" altLang="ko-KR" sz="1200" dirty="0">
                 <a:solidFill>
                   <a:schemeClr val="tx1">
                     <a:lumMod val="85000"/>
@@ -6175,75 +6176,6 @@
                 </a:solidFill>
               </a:rPr>
               <a:t>. </a:t>
-            </a:r>
-          </a:p>
-          <a:p>
-            <a:pPr algn="just"/>
-            <a:endParaRPr lang="en-US" altLang="ko-KR" dirty="0">
-              <a:solidFill>
-                <a:schemeClr val="tx1">
-                  <a:lumMod val="85000"/>
-                  <a:lumOff val="15000"/>
-                </a:schemeClr>
-              </a:solidFill>
-            </a:endParaRPr>
-          </a:p>
-          <a:p>
-            <a:pPr algn="just"/>
-            <a:r>
-              <a:rPr lang="en-US" altLang="ko-KR" dirty="0">
-                <a:solidFill>
-                  <a:schemeClr val="tx1">
-                    <a:lumMod val="85000"/>
-                    <a:lumOff val="15000"/>
-                  </a:schemeClr>
-                </a:solidFill>
-              </a:rPr>
-              <a:t>2. </a:t>
-            </a:r>
-            <a:r>
-              <a:rPr lang="ko-KR" altLang="en-US" dirty="0">
-                <a:solidFill>
-                  <a:schemeClr val="tx1">
-                    <a:lumMod val="85000"/>
-                    <a:lumOff val="15000"/>
-                  </a:schemeClr>
-                </a:solidFill>
-              </a:rPr>
-              <a:t>데이터 </a:t>
-            </a:r>
-            <a:r>
-              <a:rPr lang="ko-KR" altLang="en-US" dirty="0" err="1">
-                <a:solidFill>
-                  <a:schemeClr val="tx1">
-                    <a:lumMod val="85000"/>
-                    <a:lumOff val="15000"/>
-                  </a:schemeClr>
-                </a:solidFill>
-              </a:rPr>
-              <a:t>전처리</a:t>
-            </a:r>
-            <a:endParaRPr lang="en-US" altLang="ko-KR" dirty="0">
-              <a:solidFill>
-                <a:schemeClr val="tx1">
-                  <a:lumMod val="85000"/>
-                  <a:lumOff val="15000"/>
-                </a:schemeClr>
-              </a:solidFill>
-            </a:endParaRPr>
-          </a:p>
-          <a:p>
-            <a:pPr algn="just"/>
-            <a:r>
-              <a:rPr lang="en-US" altLang="ko-KR" dirty="0">
-                <a:solidFill>
-                  <a:schemeClr val="tx1">
-                    <a:lumMod val="85000"/>
-                    <a:lumOff val="15000"/>
-                  </a:schemeClr>
-                </a:solidFill>
-              </a:rPr>
-              <a:t>-  </a:t>
             </a:r>
           </a:p>
           <a:p>
@@ -6565,11 +6497,55 @@
             </a:r>
             <a:r>
               <a:rPr lang="ko-KR" altLang="en-US" sz="2400" b="1" spc="600" dirty="0"/>
-              <a:t>내용 비교 </a:t>
-            </a:r>
-          </a:p>
-        </p:txBody>
-      </p:sp>
+              <a:t>내용 비교</a:t>
+            </a:r>
+            <a:r>
+              <a:rPr lang="en-US" altLang="ko-KR" sz="2400" b="1" spc="600" dirty="0"/>
+              <a:t>- </a:t>
+            </a:r>
+            <a:r>
+              <a:rPr lang="ko-KR" altLang="en-US" sz="2400" b="1" spc="600" dirty="0"/>
+              <a:t>세탁소 </a:t>
+            </a:r>
+          </a:p>
+        </p:txBody>
+      </p:sp>
+      <p:pic>
+        <p:nvPicPr>
+          <p:cNvPr id="5" name="그림 4">
+            <a:extLst>
+              <a:ext uri="{FF2B5EF4-FFF2-40B4-BE49-F238E27FC236}">
+                <a16:creationId xmlns:a16="http://schemas.microsoft.com/office/drawing/2014/main" id="{5EC96021-9387-46DE-9B2E-59B6310DED7A}"/>
+              </a:ext>
+            </a:extLst>
+          </p:cNvPr>
+          <p:cNvPicPr>
+            <a:picLocks noChangeAspect="1"/>
+          </p:cNvPicPr>
+          <p:nvPr/>
+        </p:nvPicPr>
+        <p:blipFill>
+          <a:blip r:embed="rId2">
+            <a:extLst>
+              <a:ext uri="{28A0092B-C50C-407E-A947-70E740481C1C}">
+                <a14:useLocalDpi xmlns:a14="http://schemas.microsoft.com/office/drawing/2010/main" val="0"/>
+              </a:ext>
+            </a:extLst>
+          </a:blip>
+          <a:stretch>
+            <a:fillRect/>
+          </a:stretch>
+        </p:blipFill>
+        <p:spPr>
+          <a:xfrm>
+            <a:off x="1943399" y="1299925"/>
+            <a:ext cx="8305201" cy="5213345"/>
+          </a:xfrm>
+          <a:prstGeom prst="rect">
+            <a:avLst/>
+          </a:prstGeom>
+        </p:spPr>
+      </p:pic>
     </p:spTree>
     <p:extLst>
       <p:ext uri="{BB962C8B-B14F-4D97-AF65-F5344CB8AC3E}">
@@ -6768,13 +6744,57 @@
               <a:rPr lang="ko-KR" altLang="en-US" sz="2400" b="1" spc="600" dirty="0"/>
               <a:t>내용 비교 </a:t>
             </a:r>
-          </a:p>
-        </p:txBody>
-      </p:sp>
+            <a:r>
+              <a:rPr lang="en-US" altLang="ko-KR" sz="2400" b="1" spc="600" dirty="0"/>
+              <a:t>–</a:t>
+            </a:r>
+            <a:r>
+              <a:rPr lang="ko-KR" altLang="en-US" sz="2400" b="1" spc="600" dirty="0"/>
+              <a:t>세탁소 </a:t>
+            </a:r>
+          </a:p>
+        </p:txBody>
+      </p:sp>
+      <p:pic>
+        <p:nvPicPr>
+          <p:cNvPr id="5" name="그림 4">
+            <a:extLst>
+              <a:ext uri="{FF2B5EF4-FFF2-40B4-BE49-F238E27FC236}">
+                <a16:creationId xmlns:a16="http://schemas.microsoft.com/office/drawing/2014/main" id="{6708F5FA-601C-4D7A-90BF-C90637403740}"/>
+              </a:ext>
+            </a:extLst>
+          </p:cNvPr>
+          <p:cNvPicPr>
+            <a:picLocks noChangeAspect="1"/>
+          </p:cNvPicPr>
+          <p:nvPr/>
+        </p:nvPicPr>
+        <p:blipFill>
+          <a:blip r:embed="rId2">
+            <a:extLst>
+              <a:ext uri="{28A0092B-C50C-407E-A947-70E740481C1C}">
+                <a14:useLocalDpi xmlns:a14="http://schemas.microsoft.com/office/drawing/2010/main" val="0"/>
+              </a:ext>
+            </a:extLst>
+          </a:blip>
+          <a:stretch>
+            <a:fillRect/>
+          </a:stretch>
+        </p:blipFill>
+        <p:spPr>
+          <a:xfrm>
+            <a:off x="2009204" y="1241202"/>
+            <a:ext cx="8173591" cy="5315692"/>
+          </a:xfrm>
+          <a:prstGeom prst="rect">
+            <a:avLst/>
+          </a:prstGeom>
+        </p:spPr>
+      </p:pic>
     </p:spTree>
     <p:extLst>
       <p:ext uri="{BB962C8B-B14F-4D97-AF65-F5344CB8AC3E}">
-        <p14:creationId xmlns:p14="http://schemas.microsoft.com/office/powerpoint/2010/main" val="131298969"/>
+        <p14:creationId xmlns:p14="http://schemas.microsoft.com/office/powerpoint/2010/main" val="1623772449"/>
       </p:ext>
     </p:extLst>
   </p:cSld>
@@ -6948,7 +6968,7 @@
         <p:spPr>
           <a:xfrm>
             <a:off x="742950" y="706544"/>
-            <a:ext cx="3912940" cy="461665"/>
+            <a:ext cx="5208270" cy="461665"/>
           </a:xfrm>
           <a:prstGeom prst="rect">
             <a:avLst/>
@@ -6969,9 +6989,53 @@
               <a:rPr lang="ko-KR" altLang="en-US" sz="2400" b="1" spc="600" dirty="0"/>
               <a:t>내용 비교 </a:t>
             </a:r>
-          </a:p>
-        </p:txBody>
-      </p:sp>
+            <a:r>
+              <a:rPr lang="en-US" altLang="ko-KR" sz="2400" b="1" spc="600" dirty="0"/>
+              <a:t>-</a:t>
+            </a:r>
+            <a:r>
+              <a:rPr lang="ko-KR" altLang="en-US" sz="2400" b="1" spc="600" dirty="0"/>
+              <a:t>동물병원 </a:t>
+            </a:r>
+          </a:p>
+        </p:txBody>
+      </p:sp>
+      <p:pic>
+        <p:nvPicPr>
+          <p:cNvPr id="5" name="그림 4">
+            <a:extLst>
+              <a:ext uri="{FF2B5EF4-FFF2-40B4-BE49-F238E27FC236}">
+                <a16:creationId xmlns:a16="http://schemas.microsoft.com/office/drawing/2014/main" id="{EE64DB40-F430-45DD-9C38-727B81916AE3}"/>
+              </a:ext>
+            </a:extLst>
+          </p:cNvPr>
+          <p:cNvPicPr>
+            <a:picLocks noChangeAspect="1"/>
+          </p:cNvPicPr>
+          <p:nvPr/>
+        </p:nvPicPr>
+        <p:blipFill>
+          <a:blip r:embed="rId2">
+            <a:extLst>
+              <a:ext uri="{28A0092B-C50C-407E-A947-70E740481C1C}">
+                <a14:useLocalDpi xmlns:a14="http://schemas.microsoft.com/office/drawing/2010/main" val="0"/>
+              </a:ext>
+            </a:extLst>
+          </a:blip>
+          <a:stretch>
+            <a:fillRect/>
+          </a:stretch>
+        </p:blipFill>
+        <p:spPr>
+          <a:xfrm>
+            <a:off x="2251203" y="1302816"/>
+            <a:ext cx="7178024" cy="5348331"/>
+          </a:xfrm>
+          <a:prstGeom prst="rect">
+            <a:avLst/>
+          </a:prstGeom>
+        </p:spPr>
+      </p:pic>
     </p:spTree>
     <p:extLst>
       <p:ext uri="{BB962C8B-B14F-4D97-AF65-F5344CB8AC3E}">
@@ -7088,7 +7152,7 @@
                   <a:schemeClr val="accent6"/>
                 </a:solidFill>
               </a:rPr>
-              <a:t>003</a:t>
+              <a:t>002</a:t>
             </a:r>
             <a:endParaRPr lang="ko-KR" altLang="en-US" b="1" dirty="0">
               <a:solidFill>
@@ -7149,7 +7213,7 @@
         <p:spPr>
           <a:xfrm>
             <a:off x="742950" y="706544"/>
-            <a:ext cx="3912940" cy="461665"/>
+            <a:ext cx="5093970" cy="461665"/>
           </a:xfrm>
           <a:prstGeom prst="rect">
             <a:avLst/>
@@ -7164,19 +7228,57 @@
           <a:p>
             <a:r>
               <a:rPr lang="en-US" altLang="ko-KR" sz="2400" b="1" spc="600" dirty="0"/>
-              <a:t>3.</a:t>
+              <a:t>2.</a:t>
             </a:r>
             <a:r>
               <a:rPr lang="ko-KR" altLang="en-US" sz="2400" b="1" spc="600" dirty="0"/>
-              <a:t>문제점 및 결과 </a:t>
-            </a:r>
-          </a:p>
-        </p:txBody>
-      </p:sp>
+              <a:t>내용 비교 </a:t>
+            </a:r>
+            <a:r>
+              <a:rPr lang="en-US" altLang="ko-KR" sz="2400" b="1" spc="600" dirty="0"/>
+              <a:t>-</a:t>
+            </a:r>
+            <a:r>
+              <a:rPr lang="ko-KR" altLang="en-US" sz="2400" b="1" spc="600" dirty="0"/>
+              <a:t>동물병원 </a:t>
+            </a:r>
+          </a:p>
+        </p:txBody>
+      </p:sp>
+      <p:pic>
+        <p:nvPicPr>
+          <p:cNvPr id="3" name="그림 2">
+            <a:extLst>
+              <a:ext uri="{FF2B5EF4-FFF2-40B4-BE49-F238E27FC236}">
+                <a16:creationId xmlns:a16="http://schemas.microsoft.com/office/drawing/2014/main" id="{1B65148E-6E6D-4850-B568-16DD519DB753}"/>
+              </a:ext>
+            </a:extLst>
+          </p:cNvPr>
+          <p:cNvPicPr>
+            <a:picLocks noChangeAspect="1"/>
+          </p:cNvPicPr>
+          <p:nvPr/>
+        </p:nvPicPr>
+        <p:blipFill>
+          <a:blip r:embed="rId2"/>
+          <a:stretch>
+            <a:fillRect/>
+          </a:stretch>
+        </p:blipFill>
+        <p:spPr>
+          <a:xfrm>
+            <a:off x="1362075" y="1369928"/>
+            <a:ext cx="9467850" cy="5172075"/>
+          </a:xfrm>
+          <a:prstGeom prst="rect">
+            <a:avLst/>
+          </a:prstGeom>
+        </p:spPr>
+      </p:pic>
     </p:spTree>
     <p:extLst>
       <p:ext uri="{BB962C8B-B14F-4D97-AF65-F5344CB8AC3E}">
-        <p14:creationId xmlns:p14="http://schemas.microsoft.com/office/powerpoint/2010/main" val="560836086"/>
+        <p14:creationId xmlns:p14="http://schemas.microsoft.com/office/powerpoint/2010/main" val="131298969"/>
       </p:ext>
     </p:extLst>
   </p:cSld>
@@ -7187,6 +7289,244 @@
 </file>
 
 <file path=ppt/slides/slide8.xml><?xml version="1.0" encoding="utf-8"?>
+<p:sld xmlns:a="http://schemas.openxmlformats.org/drawingml/2006/main" xmlns:r="http://schemas.openxmlformats.org/officeDocument/2006/relationships" xmlns:p="http://schemas.openxmlformats.org/presentationml/2006/main">
+  <p:cSld>
+    <p:spTree>
+      <p:nvGrpSpPr>
+        <p:cNvPr id="1" name=""/>
+        <p:cNvGrpSpPr/>
+        <p:nvPr/>
+      </p:nvGrpSpPr>
+      <p:grpSpPr>
+        <a:xfrm>
+          <a:off x="0" y="0"/>
+          <a:ext cx="0" cy="0"/>
+          <a:chOff x="0" y="0"/>
+          <a:chExt cx="0" cy="0"/>
+        </a:xfrm>
+      </p:grpSpPr>
+      <p:sp>
+        <p:nvSpPr>
+          <p:cNvPr id="2" name="직사각형 1">
+            <a:extLst>
+              <a:ext uri="{FF2B5EF4-FFF2-40B4-BE49-F238E27FC236}">
+                <a16:creationId xmlns:a16="http://schemas.microsoft.com/office/drawing/2014/main" id="{DCEE537F-BD14-4572-9484-154AB0E2F979}"/>
+              </a:ext>
+            </a:extLst>
+          </p:cNvPr>
+          <p:cNvSpPr/>
+          <p:nvPr/>
+        </p:nvSpPr>
+        <p:spPr>
+          <a:xfrm>
+            <a:off x="742950" y="114300"/>
+            <a:ext cx="11449050" cy="390525"/>
+          </a:xfrm>
+          <a:prstGeom prst="rect">
+            <a:avLst/>
+          </a:prstGeom>
+          <a:solidFill>
+            <a:schemeClr val="accent6"/>
+          </a:solidFill>
+          <a:ln>
+            <a:noFill/>
+          </a:ln>
+        </p:spPr>
+        <p:style>
+          <a:lnRef idx="2">
+            <a:schemeClr val="accent1">
+              <a:shade val="50000"/>
+            </a:schemeClr>
+          </a:lnRef>
+          <a:fillRef idx="1">
+            <a:schemeClr val="accent1"/>
+          </a:fillRef>
+          <a:effectRef idx="0">
+            <a:schemeClr val="accent1"/>
+          </a:effectRef>
+          <a:fontRef idx="minor">
+            <a:schemeClr val="lt1"/>
+          </a:fontRef>
+        </p:style>
+        <p:txBody>
+          <a:bodyPr rtlCol="0" anchor="ctr"/>
+          <a:lstStyle/>
+          <a:p>
+            <a:pPr algn="ctr"/>
+            <a:endParaRPr lang="ko-KR" altLang="en-US"/>
+          </a:p>
+        </p:txBody>
+      </p:sp>
+      <p:sp>
+        <p:nvSpPr>
+          <p:cNvPr id="4" name="TextBox 3">
+            <a:extLst>
+              <a:ext uri="{FF2B5EF4-FFF2-40B4-BE49-F238E27FC236}">
+                <a16:creationId xmlns:a16="http://schemas.microsoft.com/office/drawing/2014/main" id="{29A5773F-C5DF-446A-A2F6-7FB2AA9DACE4}"/>
+              </a:ext>
+            </a:extLst>
+          </p:cNvPr>
+          <p:cNvSpPr txBox="1"/>
+          <p:nvPr/>
+        </p:nvSpPr>
+        <p:spPr>
+          <a:xfrm>
+            <a:off x="96088" y="135493"/>
+            <a:ext cx="569387" cy="369332"/>
+          </a:xfrm>
+          <a:prstGeom prst="rect">
+            <a:avLst/>
+          </a:prstGeom>
+          <a:noFill/>
+        </p:spPr>
+        <p:txBody>
+          <a:bodyPr wrap="none" rtlCol="0">
+            <a:spAutoFit/>
+          </a:bodyPr>
+          <a:lstStyle/>
+          <a:p>
+            <a:r>
+              <a:rPr lang="en-US" altLang="ko-KR" b="1" dirty="0">
+                <a:solidFill>
+                  <a:schemeClr val="accent6"/>
+                </a:solidFill>
+              </a:rPr>
+              <a:t>002</a:t>
+            </a:r>
+            <a:endParaRPr lang="ko-KR" altLang="en-US" b="1" dirty="0">
+              <a:solidFill>
+                <a:schemeClr val="accent6"/>
+              </a:solidFill>
+            </a:endParaRPr>
+          </a:p>
+        </p:txBody>
+      </p:sp>
+      <p:cxnSp>
+        <p:nvCxnSpPr>
+          <p:cNvPr id="10" name="직선 연결선 9">
+            <a:extLst>
+              <a:ext uri="{FF2B5EF4-FFF2-40B4-BE49-F238E27FC236}">
+                <a16:creationId xmlns:a16="http://schemas.microsoft.com/office/drawing/2014/main" id="{53F39EB2-4851-4971-BC64-54AAF27F430B}"/>
+              </a:ext>
+            </a:extLst>
+          </p:cNvPr>
+          <p:cNvCxnSpPr/>
+          <p:nvPr/>
+        </p:nvCxnSpPr>
+        <p:spPr>
+          <a:xfrm>
+            <a:off x="742950" y="1204705"/>
+            <a:ext cx="11449050" cy="0"/>
+          </a:xfrm>
+          <a:prstGeom prst="line">
+            <a:avLst/>
+          </a:prstGeom>
+        </p:spPr>
+        <p:style>
+          <a:lnRef idx="1">
+            <a:schemeClr val="accent1"/>
+          </a:lnRef>
+          <a:fillRef idx="0">
+            <a:schemeClr val="accent1"/>
+          </a:fillRef>
+          <a:effectRef idx="0">
+            <a:schemeClr val="accent1"/>
+          </a:effectRef>
+          <a:fontRef idx="minor">
+            <a:schemeClr val="tx1"/>
+          </a:fontRef>
+        </p:style>
+      </p:cxnSp>
+      <p:sp>
+        <p:nvSpPr>
+          <p:cNvPr id="11" name="TextBox 10">
+            <a:extLst>
+              <a:ext uri="{FF2B5EF4-FFF2-40B4-BE49-F238E27FC236}">
+                <a16:creationId xmlns:a16="http://schemas.microsoft.com/office/drawing/2014/main" id="{6EA612A2-4F5C-45B0-8C92-4F54A0D68D95}"/>
+              </a:ext>
+            </a:extLst>
+          </p:cNvPr>
+          <p:cNvSpPr txBox="1"/>
+          <p:nvPr/>
+        </p:nvSpPr>
+        <p:spPr>
+          <a:xfrm>
+            <a:off x="742950" y="706544"/>
+            <a:ext cx="3912940" cy="461665"/>
+          </a:xfrm>
+          <a:prstGeom prst="rect">
+            <a:avLst/>
+          </a:prstGeom>
+          <a:noFill/>
+        </p:spPr>
+        <p:txBody>
+          <a:bodyPr wrap="square" rtlCol="0">
+            <a:spAutoFit/>
+          </a:bodyPr>
+          <a:lstStyle/>
+          <a:p>
+            <a:r>
+              <a:rPr lang="en-US" altLang="ko-KR" sz="2400" b="1" spc="600" dirty="0"/>
+              <a:t>3. </a:t>
+            </a:r>
+            <a:r>
+              <a:rPr lang="ko-KR" altLang="en-US" sz="2400" b="1" spc="600"/>
+              <a:t>결과 및 문제점 </a:t>
+            </a:r>
+            <a:endParaRPr lang="ko-KR" altLang="en-US" sz="2400" b="1" spc="600" dirty="0"/>
+          </a:p>
+        </p:txBody>
+      </p:sp>
+      <p:pic>
+        <p:nvPicPr>
+          <p:cNvPr id="5" name="그림 4">
+            <a:extLst>
+              <a:ext uri="{FF2B5EF4-FFF2-40B4-BE49-F238E27FC236}">
+                <a16:creationId xmlns:a16="http://schemas.microsoft.com/office/drawing/2014/main" id="{56E74DB3-06CE-4754-B80A-70AA632496FA}"/>
+              </a:ext>
+            </a:extLst>
+          </p:cNvPr>
+          <p:cNvPicPr>
+            <a:picLocks noChangeAspect="1"/>
+          </p:cNvPicPr>
+          <p:nvPr/>
+        </p:nvPicPr>
+        <p:blipFill>
+          <a:blip r:embed="rId2">
+            <a:extLst>
+              <a:ext uri="{28A0092B-C50C-407E-A947-70E740481C1C}">
+                <a14:useLocalDpi xmlns:a14="http://schemas.microsoft.com/office/drawing/2010/main" val="0"/>
+              </a:ext>
+            </a:extLst>
+          </a:blip>
+          <a:stretch>
+            <a:fillRect/>
+          </a:stretch>
+        </p:blipFill>
+        <p:spPr>
+          <a:xfrm>
+            <a:off x="985697" y="1241202"/>
+            <a:ext cx="10616277" cy="5538110"/>
+          </a:xfrm>
+          <a:prstGeom prst="rect">
+            <a:avLst/>
+          </a:prstGeom>
+        </p:spPr>
+      </p:pic>
+    </p:spTree>
+    <p:extLst>
+      <p:ext uri="{BB962C8B-B14F-4D97-AF65-F5344CB8AC3E}">
+        <p14:creationId xmlns:p14="http://schemas.microsoft.com/office/powerpoint/2010/main" val="3348573432"/>
+      </p:ext>
+    </p:extLst>
+  </p:cSld>
+  <p:clrMapOvr>
+    <a:masterClrMapping/>
+  </p:clrMapOvr>
+</p:sld>
+</file>
+
+<file path=ppt/slides/slide9.xml><?xml version="1.0" encoding="utf-8"?>
 <p:sld xmlns:a="http://schemas.openxmlformats.org/drawingml/2006/main" xmlns:r="http://schemas.openxmlformats.org/officeDocument/2006/relationships" xmlns:p="http://schemas.openxmlformats.org/presentationml/2006/main">
   <p:cSld>
     <p:bg>
